--- a/docs/analisi/Avvio_lavorazione.pptx
+++ b/docs/analisi/Avvio_lavorazione.pptx
@@ -411,7 +411,7 @@
           <a:p>
             <a:fld id="{F7D71F90-2C6D-44F6-A1F9-0B80B911F8CA}" type="datetimeFigureOut">
               <a:rPr lang="it-IT" smtClean="0"/>
-              <a:t>12/12/2019</a:t>
+              <a:t>16/12/2019</a:t>
             </a:fld>
             <a:endParaRPr lang="it-IT"/>
           </a:p>
@@ -609,7 +609,7 @@
           <a:p>
             <a:fld id="{F7D71F90-2C6D-44F6-A1F9-0B80B911F8CA}" type="datetimeFigureOut">
               <a:rPr lang="it-IT" smtClean="0"/>
-              <a:t>12/12/2019</a:t>
+              <a:t>16/12/2019</a:t>
             </a:fld>
             <a:endParaRPr lang="it-IT"/>
           </a:p>
@@ -817,7 +817,7 @@
           <a:p>
             <a:fld id="{F7D71F90-2C6D-44F6-A1F9-0B80B911F8CA}" type="datetimeFigureOut">
               <a:rPr lang="it-IT" smtClean="0"/>
-              <a:t>12/12/2019</a:t>
+              <a:t>16/12/2019</a:t>
             </a:fld>
             <a:endParaRPr lang="it-IT"/>
           </a:p>
@@ -1015,7 +1015,7 @@
           <a:p>
             <a:fld id="{F7D71F90-2C6D-44F6-A1F9-0B80B911F8CA}" type="datetimeFigureOut">
               <a:rPr lang="it-IT" smtClean="0"/>
-              <a:t>12/12/2019</a:t>
+              <a:t>16/12/2019</a:t>
             </a:fld>
             <a:endParaRPr lang="it-IT"/>
           </a:p>
@@ -1290,7 +1290,7 @@
           <a:p>
             <a:fld id="{F7D71F90-2C6D-44F6-A1F9-0B80B911F8CA}" type="datetimeFigureOut">
               <a:rPr lang="it-IT" smtClean="0"/>
-              <a:t>12/12/2019</a:t>
+              <a:t>16/12/2019</a:t>
             </a:fld>
             <a:endParaRPr lang="it-IT"/>
           </a:p>
@@ -1555,7 +1555,7 @@
           <a:p>
             <a:fld id="{F7D71F90-2C6D-44F6-A1F9-0B80B911F8CA}" type="datetimeFigureOut">
               <a:rPr lang="it-IT" smtClean="0"/>
-              <a:t>12/12/2019</a:t>
+              <a:t>16/12/2019</a:t>
             </a:fld>
             <a:endParaRPr lang="it-IT"/>
           </a:p>
@@ -1967,7 +1967,7 @@
           <a:p>
             <a:fld id="{F7D71F90-2C6D-44F6-A1F9-0B80B911F8CA}" type="datetimeFigureOut">
               <a:rPr lang="it-IT" smtClean="0"/>
-              <a:t>12/12/2019</a:t>
+              <a:t>16/12/2019</a:t>
             </a:fld>
             <a:endParaRPr lang="it-IT"/>
           </a:p>
@@ -2108,7 +2108,7 @@
           <a:p>
             <a:fld id="{F7D71F90-2C6D-44F6-A1F9-0B80B911F8CA}" type="datetimeFigureOut">
               <a:rPr lang="it-IT" smtClean="0"/>
-              <a:t>12/12/2019</a:t>
+              <a:t>16/12/2019</a:t>
             </a:fld>
             <a:endParaRPr lang="it-IT"/>
           </a:p>
@@ -2221,7 +2221,7 @@
           <a:p>
             <a:fld id="{F7D71F90-2C6D-44F6-A1F9-0B80B911F8CA}" type="datetimeFigureOut">
               <a:rPr lang="it-IT" smtClean="0"/>
-              <a:t>12/12/2019</a:t>
+              <a:t>16/12/2019</a:t>
             </a:fld>
             <a:endParaRPr lang="it-IT"/>
           </a:p>
@@ -2532,7 +2532,7 @@
           <a:p>
             <a:fld id="{F7D71F90-2C6D-44F6-A1F9-0B80B911F8CA}" type="datetimeFigureOut">
               <a:rPr lang="it-IT" smtClean="0"/>
-              <a:t>12/12/2019</a:t>
+              <a:t>16/12/2019</a:t>
             </a:fld>
             <a:endParaRPr lang="it-IT"/>
           </a:p>
@@ -2820,7 +2820,7 @@
           <a:p>
             <a:fld id="{F7D71F90-2C6D-44F6-A1F9-0B80B911F8CA}" type="datetimeFigureOut">
               <a:rPr lang="it-IT" smtClean="0"/>
-              <a:t>12/12/2019</a:t>
+              <a:t>16/12/2019</a:t>
             </a:fld>
             <a:endParaRPr lang="it-IT"/>
           </a:p>
@@ -3061,7 +3061,7 @@
           <a:p>
             <a:fld id="{F7D71F90-2C6D-44F6-A1F9-0B80B911F8CA}" type="datetimeFigureOut">
               <a:rPr lang="it-IT" smtClean="0"/>
-              <a:t>12/12/2019</a:t>
+              <a:t>16/12/2019</a:t>
             </a:fld>
             <a:endParaRPr lang="it-IT"/>
           </a:p>
@@ -3644,7 +3644,22 @@
           </a:bodyPr>
           <a:lstStyle/>
           <a:p>
-            <a:endParaRPr lang="it-IT">
+            <a:r>
+              <a:rPr lang="it-IT" dirty="0" smtClean="0">
+                <a:solidFill>
+                  <a:srgbClr val="FFFFFF"/>
+                </a:solidFill>
+              </a:rPr>
+              <a:t>Avvio Lavorazione</a:t>
+            </a:r>
+            <a:br>
+              <a:rPr lang="it-IT" dirty="0" smtClean="0">
+                <a:solidFill>
+                  <a:srgbClr val="FFFFFF"/>
+                </a:solidFill>
+              </a:rPr>
+            </a:br>
+            <a:endParaRPr lang="it-IT" dirty="0">
               <a:solidFill>
                 <a:srgbClr val="FFFFFF"/>
               </a:solidFill>
@@ -4602,14 +4617,14 @@
             <p:ph idx="1"/>
             <p:extLst>
               <p:ext uri="{D42A27DB-BD31-4B8C-83A1-F6EECF244321}">
-                <p14:modId xmlns:p14="http://schemas.microsoft.com/office/powerpoint/2010/main" val="2956174682"/>
+                <p14:modId xmlns:p14="http://schemas.microsoft.com/office/powerpoint/2010/main" val="150639407"/>
               </p:ext>
             </p:extLst>
           </p:nvPr>
         </p:nvGraphicFramePr>
         <p:xfrm>
           <a:off x="838200" y="1825625"/>
-          <a:ext cx="10515600" cy="2199640"/>
+          <a:ext cx="10515600" cy="3571240"/>
         </p:xfrm>
         <a:graphic>
           <a:graphicData uri="http://schemas.openxmlformats.org/drawingml/2006/table">
@@ -4652,27 +4667,138 @@
                     <a:bodyPr/>
                     <a:lstStyle/>
                     <a:p>
-                      <a:pPr marL="342900" indent="-342900">
+                      <a:pPr marL="342900" marR="0" indent="-342900" algn="l" defTabSz="914400" rtl="0" eaLnBrk="1" fontAlgn="auto" latinLnBrk="0" hangingPunct="1">
+                        <a:lnSpc>
+                          <a:spcPct val="100000"/>
+                        </a:lnSpc>
+                        <a:spcBef>
+                          <a:spcPts val="0"/>
+                        </a:spcBef>
+                        <a:spcAft>
+                          <a:spcPts val="0"/>
+                        </a:spcAft>
+                        <a:buClrTx/>
+                        <a:buSzTx/>
                         <a:buFont typeface="+mj-lt"/>
                         <a:buAutoNum type="arabicPeriod"/>
+                        <a:tabLst/>
+                        <a:defRPr/>
                       </a:pPr>
                       <a:r>
                         <a:rPr lang="it-IT" dirty="0" smtClean="0"/>
-                        <a:t>L’operatore avvia la lavorazione</a:t>
+                        <a:t>Quando la produzione</a:t>
+                      </a:r>
+                      <a:r>
+                        <a:rPr lang="it-IT" baseline="0" dirty="0" smtClean="0"/>
+                        <a:t> è in pausa o in arresto, p</a:t>
+                      </a:r>
+                      <a:r>
+                        <a:rPr lang="it-IT" dirty="0" smtClean="0"/>
+                        <a:t>er</a:t>
+                      </a:r>
+                      <a:r>
+                        <a:rPr lang="it-IT" baseline="0" dirty="0" smtClean="0"/>
+                        <a:t> </a:t>
+                      </a:r>
+                      <a:r>
+                        <a:rPr lang="it-IT" baseline="0" dirty="0" smtClean="0"/>
+                        <a:t>avviare la lavorazione l’operatore sceglie sullo schermo la linea da far partire </a:t>
                       </a:r>
                     </a:p>
                     <a:p>
-                      <a:pPr marL="342900" indent="-342900">
+                      <a:pPr marL="342900" marR="0" indent="-342900" algn="l" defTabSz="914400" rtl="0" eaLnBrk="1" fontAlgn="auto" latinLnBrk="0" hangingPunct="1">
+                        <a:lnSpc>
+                          <a:spcPct val="100000"/>
+                        </a:lnSpc>
+                        <a:spcBef>
+                          <a:spcPts val="0"/>
+                        </a:spcBef>
+                        <a:spcAft>
+                          <a:spcPts val="0"/>
+                        </a:spcAft>
+                        <a:buClrTx/>
+                        <a:buSzTx/>
                         <a:buFont typeface="+mj-lt"/>
                         <a:buAutoNum type="arabicPeriod"/>
+                        <a:tabLst/>
+                        <a:defRPr/>
                       </a:pPr>
                       <a:r>
-                        <a:rPr lang="it-IT" dirty="0" smtClean="0"/>
-                        <a:t>La lavorazione</a:t>
+                        <a:rPr lang="it-IT" baseline="0" dirty="0" smtClean="0"/>
+                        <a:t>Una volta scelta, l’operatore immette username e password per il riconoscimento ogni qual volta voglia eseguire questa operazione</a:t>
+                      </a:r>
+                    </a:p>
+                    <a:p>
+                      <a:pPr marL="342900" marR="0" indent="-342900" algn="l" defTabSz="914400" rtl="0" eaLnBrk="1" fontAlgn="auto" latinLnBrk="0" hangingPunct="1">
+                        <a:lnSpc>
+                          <a:spcPct val="100000"/>
+                        </a:lnSpc>
+                        <a:spcBef>
+                          <a:spcPts val="0"/>
+                        </a:spcBef>
+                        <a:spcAft>
+                          <a:spcPts val="0"/>
+                        </a:spcAft>
+                        <a:buClrTx/>
+                        <a:buSzTx/>
+                        <a:buFont typeface="+mj-lt"/>
+                        <a:buAutoNum type="arabicPeriod"/>
+                        <a:tabLst/>
+                        <a:defRPr/>
+                      </a:pPr>
+                      <a:r>
+                        <a:rPr lang="it-IT" baseline="0" dirty="0" smtClean="0"/>
+                        <a:t>Successivamente</a:t>
                       </a:r>
                       <a:r>
                         <a:rPr lang="it-IT" baseline="0" dirty="0" smtClean="0"/>
-                        <a:t> parte sulla linea</a:t>
+                        <a:t>, l’operatore visualizzerà una schermata in cui sarà possibile avviare, mettere in pausa oppure fermare la lavorazione</a:t>
+                      </a:r>
+                    </a:p>
+                    <a:p>
+                      <a:pPr marL="342900" marR="0" indent="-342900" algn="l" defTabSz="914400" rtl="0" eaLnBrk="1" fontAlgn="auto" latinLnBrk="0" hangingPunct="1">
+                        <a:lnSpc>
+                          <a:spcPct val="100000"/>
+                        </a:lnSpc>
+                        <a:spcBef>
+                          <a:spcPts val="0"/>
+                        </a:spcBef>
+                        <a:spcAft>
+                          <a:spcPts val="0"/>
+                        </a:spcAft>
+                        <a:buClrTx/>
+                        <a:buSzTx/>
+                        <a:buFont typeface="+mj-lt"/>
+                        <a:buAutoNum type="arabicPeriod"/>
+                        <a:tabLst/>
+                        <a:defRPr/>
+                      </a:pPr>
+                      <a:r>
+                        <a:rPr lang="it-IT" baseline="0" dirty="0" smtClean="0"/>
+                        <a:t>L’operatore sceglie di avviare la lavorazione premendo sul tasto «Avvia»</a:t>
+                      </a:r>
+                    </a:p>
+                    <a:p>
+                      <a:pPr marL="342900" marR="0" indent="-342900" algn="l" defTabSz="914400" rtl="0" eaLnBrk="1" fontAlgn="auto" latinLnBrk="0" hangingPunct="1">
+                        <a:lnSpc>
+                          <a:spcPct val="100000"/>
+                        </a:lnSpc>
+                        <a:spcBef>
+                          <a:spcPts val="0"/>
+                        </a:spcBef>
+                        <a:spcAft>
+                          <a:spcPts val="0"/>
+                        </a:spcAft>
+                        <a:buClrTx/>
+                        <a:buSzTx/>
+                        <a:buFont typeface="+mj-lt"/>
+                        <a:buAutoNum type="arabicPeriod"/>
+                        <a:tabLst/>
+                        <a:defRPr/>
+                      </a:pPr>
+                      <a:r>
+                        <a:rPr lang="it-IT" baseline="0" dirty="0" smtClean="0"/>
+                        <a:t>La linea viene avviata</a:t>
                       </a:r>
                       <a:endParaRPr lang="it-IT" dirty="0" smtClean="0"/>
                     </a:p>
@@ -4713,7 +4839,11 @@
                     <a:p>
                       <a:r>
                         <a:rPr lang="it-IT" dirty="0" smtClean="0"/>
-                        <a:t>\</a:t>
+                        <a:t>Punto</a:t>
+                      </a:r>
+                      <a:r>
+                        <a:rPr lang="it-IT" baseline="0" dirty="0" smtClean="0"/>
+                        <a:t> 2: Se l’operatore inserisce dati non corretti  o non li ricorda deve richiederli all’ufficio di competenza. Una volta ottenuti, potrà avviare la lavorazione</a:t>
                       </a:r>
                       <a:endParaRPr lang="it-IT" dirty="0"/>
                     </a:p>
@@ -4745,33 +4875,10 @@
                     <a:bodyPr/>
                     <a:lstStyle/>
                     <a:p>
-                      <a:pPr marL="342900" indent="-342900">
-                        <a:buAutoNum type="arabicPeriod"/>
-                      </a:pPr>
                       <a:r>
                         <a:rPr lang="it-IT" dirty="0" smtClean="0"/>
-                        <a:t>L’operatore avvia la lavorazione</a:t>
+                        <a:t>\</a:t>
                       </a:r>
-                    </a:p>
-                    <a:p>
-                      <a:pPr marL="342900" indent="-342900">
-                        <a:buAutoNum type="arabicPeriod"/>
-                      </a:pPr>
-                      <a:r>
-                        <a:rPr lang="it-IT" dirty="0" smtClean="0"/>
-                        <a:t>La</a:t>
-                      </a:r>
-                      <a:r>
-                        <a:rPr lang="it-IT" baseline="0" dirty="0" smtClean="0"/>
-                        <a:t> lavorazione si interrompe per via </a:t>
-                      </a:r>
-                      <a:r>
-                        <a:rPr lang="it-IT" baseline="0" smtClean="0"/>
-                        <a:t>di un’anomalia </a:t>
-                      </a:r>
-                      <a:endParaRPr lang="it-IT" dirty="0" smtClean="0"/>
-                    </a:p>
-                    <a:p>
                       <a:endParaRPr lang="it-IT" dirty="0"/>
                     </a:p>
                   </a:txBody>
